--- a/example20.pptx
+++ b/example20.pptx
@@ -108,6 +108,11 @@
       </a:defRPr>
     </a:lvl9pPr>
   </p:defaultTextStyle>
+  <p:extLst>
+    <p:ext uri="{EFAFB233-063F-42B5-8137-9DF3F51BA10A}">
+      <p15:sldGuideLst xmlns:p15="http://schemas.microsoft.com/office/powerpoint/2012/main"/>
+    </p:ext>
+  </p:extLst>
 </p:presentation>
 </file>
 
@@ -153,10 +158,9 @@
           </a:lstStyle>
           <a:p>
             <a:r>
-              <a:rPr lang="en-US" smtClean="0"/>
+              <a:rPr lang="en-US"/>
               <a:t>Click to edit Master title style</a:t>
             </a:r>
-            <a:endParaRPr lang="en-US"/>
           </a:p>
         </p:txBody>
       </p:sp>
@@ -218,10 +222,9 @@
           </a:lstStyle>
           <a:p>
             <a:r>
-              <a:rPr lang="en-US" smtClean="0"/>
+              <a:rPr lang="en-US"/>
               <a:t>Click to edit Master subtitle style</a:t>
             </a:r>
-            <a:endParaRPr lang="en-US"/>
           </a:p>
         </p:txBody>
       </p:sp>
@@ -242,7 +245,7 @@
           <a:p>
             <a:fld id="{57B1A1A4-7DCC-47CF-B7A1-1F987A8D9B46}" type="datetimeFigureOut">
               <a:rPr lang="en-US" smtClean="0"/>
-              <a:t>5/6/2021</a:t>
+              <a:t>5/8/2021</a:t>
             </a:fld>
             <a:endParaRPr lang="en-US"/>
           </a:p>
@@ -336,10 +339,9 @@
           <a:lstStyle/>
           <a:p>
             <a:r>
-              <a:rPr lang="en-US" smtClean="0"/>
+              <a:rPr lang="en-US"/>
               <a:t>Click to edit Master title style</a:t>
             </a:r>
-            <a:endParaRPr lang="en-US"/>
           </a:p>
         </p:txBody>
       </p:sp>
@@ -360,38 +362,37 @@
           <a:p>
             <a:pPr lvl="0"/>
             <a:r>
-              <a:rPr lang="en-US" smtClean="0"/>
+              <a:rPr lang="en-US"/>
               <a:t>Edit Master text styles</a:t>
             </a:r>
           </a:p>
           <a:p>
             <a:pPr lvl="1"/>
             <a:r>
-              <a:rPr lang="en-US" smtClean="0"/>
+              <a:rPr lang="en-US"/>
               <a:t>Second level</a:t>
             </a:r>
           </a:p>
           <a:p>
             <a:pPr lvl="2"/>
             <a:r>
-              <a:rPr lang="en-US" smtClean="0"/>
+              <a:rPr lang="en-US"/>
               <a:t>Third level</a:t>
             </a:r>
           </a:p>
           <a:p>
             <a:pPr lvl="3"/>
             <a:r>
-              <a:rPr lang="en-US" smtClean="0"/>
+              <a:rPr lang="en-US"/>
               <a:t>Fourth level</a:t>
             </a:r>
           </a:p>
           <a:p>
             <a:pPr lvl="4"/>
             <a:r>
-              <a:rPr lang="en-US" smtClean="0"/>
+              <a:rPr lang="en-US"/>
               <a:t>Fifth level</a:t>
             </a:r>
-            <a:endParaRPr lang="en-US"/>
           </a:p>
         </p:txBody>
       </p:sp>
@@ -412,7 +413,7 @@
           <a:p>
             <a:fld id="{57B1A1A4-7DCC-47CF-B7A1-1F987A8D9B46}" type="datetimeFigureOut">
               <a:rPr lang="en-US" smtClean="0"/>
-              <a:t>5/6/2021</a:t>
+              <a:t>5/8/2021</a:t>
             </a:fld>
             <a:endParaRPr lang="en-US"/>
           </a:p>
@@ -511,10 +512,9 @@
           <a:lstStyle/>
           <a:p>
             <a:r>
-              <a:rPr lang="en-US" smtClean="0"/>
+              <a:rPr lang="en-US"/>
               <a:t>Click to edit Master title style</a:t>
             </a:r>
-            <a:endParaRPr lang="en-US"/>
           </a:p>
         </p:txBody>
       </p:sp>
@@ -540,38 +540,37 @@
           <a:p>
             <a:pPr lvl="0"/>
             <a:r>
-              <a:rPr lang="en-US" smtClean="0"/>
+              <a:rPr lang="en-US"/>
               <a:t>Edit Master text styles</a:t>
             </a:r>
           </a:p>
           <a:p>
             <a:pPr lvl="1"/>
             <a:r>
-              <a:rPr lang="en-US" smtClean="0"/>
+              <a:rPr lang="en-US"/>
               <a:t>Second level</a:t>
             </a:r>
           </a:p>
           <a:p>
             <a:pPr lvl="2"/>
             <a:r>
-              <a:rPr lang="en-US" smtClean="0"/>
+              <a:rPr lang="en-US"/>
               <a:t>Third level</a:t>
             </a:r>
           </a:p>
           <a:p>
             <a:pPr lvl="3"/>
             <a:r>
-              <a:rPr lang="en-US" smtClean="0"/>
+              <a:rPr lang="en-US"/>
               <a:t>Fourth level</a:t>
             </a:r>
           </a:p>
           <a:p>
             <a:pPr lvl="4"/>
             <a:r>
-              <a:rPr lang="en-US" smtClean="0"/>
+              <a:rPr lang="en-US"/>
               <a:t>Fifth level</a:t>
             </a:r>
-            <a:endParaRPr lang="en-US"/>
           </a:p>
         </p:txBody>
       </p:sp>
@@ -592,7 +591,7 @@
           <a:p>
             <a:fld id="{57B1A1A4-7DCC-47CF-B7A1-1F987A8D9B46}" type="datetimeFigureOut">
               <a:rPr lang="en-US" smtClean="0"/>
-              <a:t>5/6/2021</a:t>
+              <a:t>5/8/2021</a:t>
             </a:fld>
             <a:endParaRPr lang="en-US"/>
           </a:p>
@@ -686,10 +685,9 @@
           <a:lstStyle/>
           <a:p>
             <a:r>
-              <a:rPr lang="en-US" smtClean="0"/>
+              <a:rPr lang="en-US"/>
               <a:t>Click to edit Master title style</a:t>
             </a:r>
-            <a:endParaRPr lang="en-US"/>
           </a:p>
         </p:txBody>
       </p:sp>
@@ -710,38 +708,37 @@
           <a:p>
             <a:pPr lvl="0"/>
             <a:r>
-              <a:rPr lang="en-US" smtClean="0"/>
+              <a:rPr lang="en-US"/>
               <a:t>Edit Master text styles</a:t>
             </a:r>
           </a:p>
           <a:p>
             <a:pPr lvl="1"/>
             <a:r>
-              <a:rPr lang="en-US" smtClean="0"/>
+              <a:rPr lang="en-US"/>
               <a:t>Second level</a:t>
             </a:r>
           </a:p>
           <a:p>
             <a:pPr lvl="2"/>
             <a:r>
-              <a:rPr lang="en-US" smtClean="0"/>
+              <a:rPr lang="en-US"/>
               <a:t>Third level</a:t>
             </a:r>
           </a:p>
           <a:p>
             <a:pPr lvl="3"/>
             <a:r>
-              <a:rPr lang="en-US" smtClean="0"/>
+              <a:rPr lang="en-US"/>
               <a:t>Fourth level</a:t>
             </a:r>
           </a:p>
           <a:p>
             <a:pPr lvl="4"/>
             <a:r>
-              <a:rPr lang="en-US" smtClean="0"/>
+              <a:rPr lang="en-US"/>
               <a:t>Fifth level</a:t>
             </a:r>
-            <a:endParaRPr lang="en-US"/>
           </a:p>
         </p:txBody>
       </p:sp>
@@ -762,7 +759,7 @@
           <a:p>
             <a:fld id="{57B1A1A4-7DCC-47CF-B7A1-1F987A8D9B46}" type="datetimeFigureOut">
               <a:rPr lang="en-US" smtClean="0"/>
-              <a:t>5/6/2021</a:t>
+              <a:t>5/8/2021</a:t>
             </a:fld>
             <a:endParaRPr lang="en-US"/>
           </a:p>
@@ -865,10 +862,9 @@
           </a:lstStyle>
           <a:p>
             <a:r>
-              <a:rPr lang="en-US" smtClean="0"/>
+              <a:rPr lang="en-US"/>
               <a:t>Click to edit Master title style</a:t>
             </a:r>
-            <a:endParaRPr lang="en-US"/>
           </a:p>
         </p:txBody>
       </p:sp>
@@ -985,7 +981,7 @@
           <a:p>
             <a:pPr lvl="0"/>
             <a:r>
-              <a:rPr lang="en-US" smtClean="0"/>
+              <a:rPr lang="en-US"/>
               <a:t>Edit Master text styles</a:t>
             </a:r>
           </a:p>
@@ -1008,7 +1004,7 @@
           <a:p>
             <a:fld id="{57B1A1A4-7DCC-47CF-B7A1-1F987A8D9B46}" type="datetimeFigureOut">
               <a:rPr lang="en-US" smtClean="0"/>
-              <a:t>5/6/2021</a:t>
+              <a:t>5/8/2021</a:t>
             </a:fld>
             <a:endParaRPr lang="en-US"/>
           </a:p>
@@ -1102,10 +1098,9 @@
           <a:lstStyle/>
           <a:p>
             <a:r>
-              <a:rPr lang="en-US" smtClean="0"/>
+              <a:rPr lang="en-US"/>
               <a:t>Click to edit Master title style</a:t>
             </a:r>
-            <a:endParaRPr lang="en-US"/>
           </a:p>
         </p:txBody>
       </p:sp>
@@ -1131,38 +1126,37 @@
           <a:p>
             <a:pPr lvl="0"/>
             <a:r>
-              <a:rPr lang="en-US" smtClean="0"/>
+              <a:rPr lang="en-US"/>
               <a:t>Edit Master text styles</a:t>
             </a:r>
           </a:p>
           <a:p>
             <a:pPr lvl="1"/>
             <a:r>
-              <a:rPr lang="en-US" smtClean="0"/>
+              <a:rPr lang="en-US"/>
               <a:t>Second level</a:t>
             </a:r>
           </a:p>
           <a:p>
             <a:pPr lvl="2"/>
             <a:r>
-              <a:rPr lang="en-US" smtClean="0"/>
+              <a:rPr lang="en-US"/>
               <a:t>Third level</a:t>
             </a:r>
           </a:p>
           <a:p>
             <a:pPr lvl="3"/>
             <a:r>
-              <a:rPr lang="en-US" smtClean="0"/>
+              <a:rPr lang="en-US"/>
               <a:t>Fourth level</a:t>
             </a:r>
           </a:p>
           <a:p>
             <a:pPr lvl="4"/>
             <a:r>
-              <a:rPr lang="en-US" smtClean="0"/>
+              <a:rPr lang="en-US"/>
               <a:t>Fifth level</a:t>
             </a:r>
-            <a:endParaRPr lang="en-US"/>
           </a:p>
         </p:txBody>
       </p:sp>
@@ -1188,38 +1182,37 @@
           <a:p>
             <a:pPr lvl="0"/>
             <a:r>
-              <a:rPr lang="en-US" smtClean="0"/>
+              <a:rPr lang="en-US"/>
               <a:t>Edit Master text styles</a:t>
             </a:r>
           </a:p>
           <a:p>
             <a:pPr lvl="1"/>
             <a:r>
-              <a:rPr lang="en-US" smtClean="0"/>
+              <a:rPr lang="en-US"/>
               <a:t>Second level</a:t>
             </a:r>
           </a:p>
           <a:p>
             <a:pPr lvl="2"/>
             <a:r>
-              <a:rPr lang="en-US" smtClean="0"/>
+              <a:rPr lang="en-US"/>
               <a:t>Third level</a:t>
             </a:r>
           </a:p>
           <a:p>
             <a:pPr lvl="3"/>
             <a:r>
-              <a:rPr lang="en-US" smtClean="0"/>
+              <a:rPr lang="en-US"/>
               <a:t>Fourth level</a:t>
             </a:r>
           </a:p>
           <a:p>
             <a:pPr lvl="4"/>
             <a:r>
-              <a:rPr lang="en-US" smtClean="0"/>
+              <a:rPr lang="en-US"/>
               <a:t>Fifth level</a:t>
             </a:r>
-            <a:endParaRPr lang="en-US"/>
           </a:p>
         </p:txBody>
       </p:sp>
@@ -1240,7 +1233,7 @@
           <a:p>
             <a:fld id="{57B1A1A4-7DCC-47CF-B7A1-1F987A8D9B46}" type="datetimeFigureOut">
               <a:rPr lang="en-US" smtClean="0"/>
-              <a:t>5/6/2021</a:t>
+              <a:t>5/8/2021</a:t>
             </a:fld>
             <a:endParaRPr lang="en-US"/>
           </a:p>
@@ -1339,10 +1332,9 @@
           <a:lstStyle/>
           <a:p>
             <a:r>
-              <a:rPr lang="en-US" smtClean="0"/>
+              <a:rPr lang="en-US"/>
               <a:t>Click to edit Master title style</a:t>
             </a:r>
-            <a:endParaRPr lang="en-US"/>
           </a:p>
         </p:txBody>
       </p:sp>
@@ -1405,7 +1397,7 @@
           <a:p>
             <a:pPr lvl="0"/>
             <a:r>
-              <a:rPr lang="en-US" smtClean="0"/>
+              <a:rPr lang="en-US"/>
               <a:t>Edit Master text styles</a:t>
             </a:r>
           </a:p>
@@ -1433,38 +1425,37 @@
           <a:p>
             <a:pPr lvl="0"/>
             <a:r>
-              <a:rPr lang="en-US" smtClean="0"/>
+              <a:rPr lang="en-US"/>
               <a:t>Edit Master text styles</a:t>
             </a:r>
           </a:p>
           <a:p>
             <a:pPr lvl="1"/>
             <a:r>
-              <a:rPr lang="en-US" smtClean="0"/>
+              <a:rPr lang="en-US"/>
               <a:t>Second level</a:t>
             </a:r>
           </a:p>
           <a:p>
             <a:pPr lvl="2"/>
             <a:r>
-              <a:rPr lang="en-US" smtClean="0"/>
+              <a:rPr lang="en-US"/>
               <a:t>Third level</a:t>
             </a:r>
           </a:p>
           <a:p>
             <a:pPr lvl="3"/>
             <a:r>
-              <a:rPr lang="en-US" smtClean="0"/>
+              <a:rPr lang="en-US"/>
               <a:t>Fourth level</a:t>
             </a:r>
           </a:p>
           <a:p>
             <a:pPr lvl="4"/>
             <a:r>
-              <a:rPr lang="en-US" smtClean="0"/>
+              <a:rPr lang="en-US"/>
               <a:t>Fifth level</a:t>
             </a:r>
-            <a:endParaRPr lang="en-US"/>
           </a:p>
         </p:txBody>
       </p:sp>
@@ -1527,7 +1518,7 @@
           <a:p>
             <a:pPr lvl="0"/>
             <a:r>
-              <a:rPr lang="en-US" smtClean="0"/>
+              <a:rPr lang="en-US"/>
               <a:t>Edit Master text styles</a:t>
             </a:r>
           </a:p>
@@ -1555,38 +1546,37 @@
           <a:p>
             <a:pPr lvl="0"/>
             <a:r>
-              <a:rPr lang="en-US" smtClean="0"/>
+              <a:rPr lang="en-US"/>
               <a:t>Edit Master text styles</a:t>
             </a:r>
           </a:p>
           <a:p>
             <a:pPr lvl="1"/>
             <a:r>
-              <a:rPr lang="en-US" smtClean="0"/>
+              <a:rPr lang="en-US"/>
               <a:t>Second level</a:t>
             </a:r>
           </a:p>
           <a:p>
             <a:pPr lvl="2"/>
             <a:r>
-              <a:rPr lang="en-US" smtClean="0"/>
+              <a:rPr lang="en-US"/>
               <a:t>Third level</a:t>
             </a:r>
           </a:p>
           <a:p>
             <a:pPr lvl="3"/>
             <a:r>
-              <a:rPr lang="en-US" smtClean="0"/>
+              <a:rPr lang="en-US"/>
               <a:t>Fourth level</a:t>
             </a:r>
           </a:p>
           <a:p>
             <a:pPr lvl="4"/>
             <a:r>
-              <a:rPr lang="en-US" smtClean="0"/>
+              <a:rPr lang="en-US"/>
               <a:t>Fifth level</a:t>
             </a:r>
-            <a:endParaRPr lang="en-US"/>
           </a:p>
         </p:txBody>
       </p:sp>
@@ -1607,7 +1597,7 @@
           <a:p>
             <a:fld id="{57B1A1A4-7DCC-47CF-B7A1-1F987A8D9B46}" type="datetimeFigureOut">
               <a:rPr lang="en-US" smtClean="0"/>
-              <a:t>5/6/2021</a:t>
+              <a:t>5/8/2021</a:t>
             </a:fld>
             <a:endParaRPr lang="en-US"/>
           </a:p>
@@ -1701,10 +1691,9 @@
           <a:lstStyle/>
           <a:p>
             <a:r>
-              <a:rPr lang="en-US" smtClean="0"/>
+              <a:rPr lang="en-US"/>
               <a:t>Click to edit Master title style</a:t>
             </a:r>
-            <a:endParaRPr lang="en-US"/>
           </a:p>
         </p:txBody>
       </p:sp>
@@ -1725,7 +1714,7 @@
           <a:p>
             <a:fld id="{57B1A1A4-7DCC-47CF-B7A1-1F987A8D9B46}" type="datetimeFigureOut">
               <a:rPr lang="en-US" smtClean="0"/>
-              <a:t>5/6/2021</a:t>
+              <a:t>5/8/2021</a:t>
             </a:fld>
             <a:endParaRPr lang="en-US"/>
           </a:p>
@@ -1820,7 +1809,7 @@
           <a:p>
             <a:fld id="{57B1A1A4-7DCC-47CF-B7A1-1F987A8D9B46}" type="datetimeFigureOut">
               <a:rPr lang="en-US" smtClean="0"/>
-              <a:t>5/6/2021</a:t>
+              <a:t>5/8/2021</a:t>
             </a:fld>
             <a:endParaRPr lang="en-US"/>
           </a:p>
@@ -1923,10 +1912,9 @@
           </a:lstStyle>
           <a:p>
             <a:r>
-              <a:rPr lang="en-US" smtClean="0"/>
+              <a:rPr lang="en-US"/>
               <a:t>Click to edit Master title style</a:t>
             </a:r>
-            <a:endParaRPr lang="en-US"/>
           </a:p>
         </p:txBody>
       </p:sp>
@@ -1980,38 +1968,37 @@
           <a:p>
             <a:pPr lvl="0"/>
             <a:r>
-              <a:rPr lang="en-US" smtClean="0"/>
+              <a:rPr lang="en-US"/>
               <a:t>Edit Master text styles</a:t>
             </a:r>
           </a:p>
           <a:p>
             <a:pPr lvl="1"/>
             <a:r>
-              <a:rPr lang="en-US" smtClean="0"/>
+              <a:rPr lang="en-US"/>
               <a:t>Second level</a:t>
             </a:r>
           </a:p>
           <a:p>
             <a:pPr lvl="2"/>
             <a:r>
-              <a:rPr lang="en-US" smtClean="0"/>
+              <a:rPr lang="en-US"/>
               <a:t>Third level</a:t>
             </a:r>
           </a:p>
           <a:p>
             <a:pPr lvl="3"/>
             <a:r>
-              <a:rPr lang="en-US" smtClean="0"/>
+              <a:rPr lang="en-US"/>
               <a:t>Fourth level</a:t>
             </a:r>
           </a:p>
           <a:p>
             <a:pPr lvl="4"/>
             <a:r>
-              <a:rPr lang="en-US" smtClean="0"/>
+              <a:rPr lang="en-US"/>
               <a:t>Fifth level</a:t>
             </a:r>
-            <a:endParaRPr lang="en-US"/>
           </a:p>
         </p:txBody>
       </p:sp>
@@ -2074,7 +2061,7 @@
           <a:p>
             <a:pPr lvl="0"/>
             <a:r>
-              <a:rPr lang="en-US" smtClean="0"/>
+              <a:rPr lang="en-US"/>
               <a:t>Edit Master text styles</a:t>
             </a:r>
           </a:p>
@@ -2097,7 +2084,7 @@
           <a:p>
             <a:fld id="{57B1A1A4-7DCC-47CF-B7A1-1F987A8D9B46}" type="datetimeFigureOut">
               <a:rPr lang="en-US" smtClean="0"/>
-              <a:t>5/6/2021</a:t>
+              <a:t>5/8/2021</a:t>
             </a:fld>
             <a:endParaRPr lang="en-US"/>
           </a:p>
@@ -2200,10 +2187,9 @@
           </a:lstStyle>
           <a:p>
             <a:r>
-              <a:rPr lang="en-US" smtClean="0"/>
+              <a:rPr lang="en-US"/>
               <a:t>Click to edit Master title style</a:t>
             </a:r>
-            <a:endParaRPr lang="en-US"/>
           </a:p>
         </p:txBody>
       </p:sp>
@@ -2327,7 +2313,7 @@
           <a:p>
             <a:pPr lvl="0"/>
             <a:r>
-              <a:rPr lang="en-US" smtClean="0"/>
+              <a:rPr lang="en-US"/>
               <a:t>Edit Master text styles</a:t>
             </a:r>
           </a:p>
@@ -2350,7 +2336,7 @@
           <a:p>
             <a:fld id="{57B1A1A4-7DCC-47CF-B7A1-1F987A8D9B46}" type="datetimeFigureOut">
               <a:rPr lang="en-US" smtClean="0"/>
-              <a:t>5/6/2021</a:t>
+              <a:t>5/8/2021</a:t>
             </a:fld>
             <a:endParaRPr lang="en-US"/>
           </a:p>
@@ -2459,10 +2445,9 @@
           <a:lstStyle/>
           <a:p>
             <a:r>
-              <a:rPr lang="en-US" smtClean="0"/>
+              <a:rPr lang="en-US"/>
               <a:t>Click to edit Master title style</a:t>
             </a:r>
-            <a:endParaRPr lang="en-US"/>
           </a:p>
         </p:txBody>
       </p:sp>
@@ -2493,38 +2478,37 @@
           <a:p>
             <a:pPr lvl="0"/>
             <a:r>
-              <a:rPr lang="en-US" smtClean="0"/>
+              <a:rPr lang="en-US"/>
               <a:t>Edit Master text styles</a:t>
             </a:r>
           </a:p>
           <a:p>
             <a:pPr lvl="1"/>
             <a:r>
-              <a:rPr lang="en-US" smtClean="0"/>
+              <a:rPr lang="en-US"/>
               <a:t>Second level</a:t>
             </a:r>
           </a:p>
           <a:p>
             <a:pPr lvl="2"/>
             <a:r>
-              <a:rPr lang="en-US" smtClean="0"/>
+              <a:rPr lang="en-US"/>
               <a:t>Third level</a:t>
             </a:r>
           </a:p>
           <a:p>
             <a:pPr lvl="3"/>
             <a:r>
-              <a:rPr lang="en-US" smtClean="0"/>
+              <a:rPr lang="en-US"/>
               <a:t>Fourth level</a:t>
             </a:r>
           </a:p>
           <a:p>
             <a:pPr lvl="4"/>
             <a:r>
-              <a:rPr lang="en-US" smtClean="0"/>
+              <a:rPr lang="en-US"/>
               <a:t>Fifth level</a:t>
             </a:r>
-            <a:endParaRPr lang="en-US"/>
           </a:p>
         </p:txBody>
       </p:sp>
@@ -2563,7 +2547,7 @@
           <a:p>
             <a:fld id="{57B1A1A4-7DCC-47CF-B7A1-1F987A8D9B46}" type="datetimeFigureOut">
               <a:rPr lang="en-US" smtClean="0"/>
-              <a:t>5/6/2021</a:t>
+              <a:t>5/8/2021</a:t>
             </a:fld>
             <a:endParaRPr lang="en-US"/>
           </a:p>
@@ -2984,15 +2968,15 @@
           <a:lstStyle/>
           <a:p>
             <a:r>
-              <a:rPr lang="ru-RU" dirty="0" smtClean="0"/>
+              <a:rPr lang="ru-RU" dirty="0"/>
               <a:t>Конфигурация с помощью аннотаций.</a:t>
             </a:r>
             <a:r>
-              <a:rPr lang="en-US" dirty="0" smtClean="0"/>
+              <a:rPr lang="en-US" dirty="0"/>
               <a:t> @</a:t>
             </a:r>
             <a:r>
-              <a:rPr lang="en-US" dirty="0" err="1" smtClean="0"/>
+              <a:rPr lang="en-US" dirty="0" err="1"/>
               <a:t>Autowired</a:t>
             </a:r>
             <a:r>
@@ -3014,22 +2998,24 @@
         </p:nvSpPr>
         <p:spPr/>
         <p:txBody>
-          <a:bodyPr/>
+          <a:bodyPr>
+            <a:normAutofit lnSpcReduction="10000"/>
+          </a:bodyPr>
           <a:lstStyle/>
           <a:p>
             <a:pPr marL="0" indent="0">
               <a:buNone/>
             </a:pPr>
             <a:r>
-              <a:rPr lang="ru-RU" dirty="0" smtClean="0"/>
+              <a:rPr lang="ru-RU" dirty="0"/>
               <a:t>Возможно осуществлять конфигурацию контейнеров в </a:t>
             </a:r>
             <a:r>
-              <a:rPr lang="ru-RU" dirty="0" err="1" smtClean="0"/>
+              <a:rPr lang="ru-RU" dirty="0" err="1"/>
               <a:t>Spring</a:t>
             </a:r>
             <a:r>
-              <a:rPr lang="ru-RU" dirty="0" smtClean="0"/>
+              <a:rPr lang="ru-RU" dirty="0"/>
               <a:t> через аннотации.</a:t>
             </a:r>
           </a:p>
@@ -3038,27 +3024,43 @@
               <a:buNone/>
             </a:pPr>
             <a:r>
-              <a:rPr lang="ru-RU" dirty="0" smtClean="0"/>
+              <a:rPr lang="ru-RU" dirty="0"/>
               <a:t>Для это необходимо в конфигурации контейнера указать</a:t>
             </a:r>
-            <a:endParaRPr lang="en-US" dirty="0" smtClean="0"/>
-          </a:p>
-          <a:p>
             <a:endParaRPr lang="en-US" dirty="0"/>
           </a:p>
           <a:p>
-            <a:endParaRPr lang="en-US" dirty="0" smtClean="0"/>
+            <a:endParaRPr lang="en-US" dirty="0"/>
+          </a:p>
+          <a:p>
+            <a:endParaRPr lang="en-US" dirty="0"/>
           </a:p>
           <a:p>
             <a:pPr marL="0" indent="0">
               <a:buNone/>
             </a:pPr>
-            <a:endParaRPr lang="ru-RU" dirty="0" smtClean="0"/>
+            <a:endParaRPr lang="ru-RU" dirty="0"/>
           </a:p>
           <a:p>
             <a:pPr marL="0" indent="0">
               <a:buNone/>
             </a:pPr>
+            <a:endParaRPr lang="ru-RU" dirty="0"/>
+          </a:p>
+          <a:p>
+            <a:pPr marL="0" indent="0">
+              <a:buNone/>
+            </a:pPr>
+            <a:endParaRPr lang="ru-RU" dirty="0"/>
+          </a:p>
+          <a:p>
+            <a:pPr marL="0" indent="0">
+              <a:buNone/>
+            </a:pPr>
+            <a:r>
+              <a:rPr lang="ru-RU" dirty="0"/>
+              <a:t>Именно её используют чаще всего в реальных проектах</a:t>
+            </a:r>
             <a:endParaRPr lang="en-US" dirty="0"/>
           </a:p>
         </p:txBody>
@@ -3134,7 +3136,7 @@
               <a:tabLst/>
             </a:pPr>
             <a:r>
-              <a:rPr kumimoji="0" lang="en-US" altLang="en-US" sz="2000" b="0" i="0" u="none" strike="noStrike" cap="none" normalizeH="0" baseline="0" dirty="0" smtClean="0">
+              <a:rPr kumimoji="0" lang="en-US" altLang="en-US" sz="2000" b="0" i="0" u="none" strike="noStrike" cap="none" normalizeH="0" baseline="0" dirty="0">
                 <a:ln>
                   <a:noFill/>
                 </a:ln>
@@ -3147,7 +3149,7 @@
               <a:t>&lt;</a:t>
             </a:r>
             <a:r>
-              <a:rPr kumimoji="0" lang="en-US" altLang="en-US" sz="2000" b="0" i="0" u="none" strike="noStrike" cap="none" normalizeH="0" baseline="0" dirty="0" err="1" smtClean="0">
+              <a:rPr kumimoji="0" lang="en-US" altLang="en-US" sz="2000" b="0" i="0" u="none" strike="noStrike" cap="none" normalizeH="0" baseline="0" dirty="0" err="1">
                 <a:ln>
                   <a:noFill/>
                 </a:ln>
@@ -3160,7 +3162,7 @@
               <a:t>context</a:t>
             </a:r>
             <a:r>
-              <a:rPr kumimoji="0" lang="en-US" altLang="en-US" sz="2000" b="0" i="0" u="none" strike="noStrike" cap="none" normalizeH="0" baseline="0" dirty="0" err="1" smtClean="0">
+              <a:rPr kumimoji="0" lang="en-US" altLang="en-US" sz="2000" b="0" i="0" u="none" strike="noStrike" cap="none" normalizeH="0" baseline="0" dirty="0" err="1">
                 <a:ln>
                   <a:noFill/>
                 </a:ln>
@@ -3173,7 +3175,7 @@
               <a:t>:annotation-config</a:t>
             </a:r>
             <a:r>
-              <a:rPr kumimoji="0" lang="en-US" altLang="en-US" sz="2000" b="0" i="0" u="none" strike="noStrike" cap="none" normalizeH="0" baseline="0" dirty="0" smtClean="0">
+              <a:rPr kumimoji="0" lang="en-US" altLang="en-US" sz="2000" b="0" i="0" u="none" strike="noStrike" cap="none" normalizeH="0" baseline="0" dirty="0">
                 <a:ln>
                   <a:noFill/>
                 </a:ln>
@@ -3185,7 +3187,7 @@
               </a:rPr>
               <a:t>/&gt;</a:t>
             </a:r>
-            <a:endParaRPr kumimoji="0" lang="en-US" altLang="en-US" sz="2000" b="0" i="0" u="none" strike="noStrike" cap="none" normalizeH="0" baseline="0" dirty="0" smtClean="0">
+            <a:endParaRPr kumimoji="0" lang="en-US" altLang="en-US" sz="2000" b="0" i="0" u="none" strike="noStrike" cap="none" normalizeH="0" baseline="0" dirty="0">
               <a:ln>
                 <a:noFill/>
               </a:ln>
@@ -3252,11 +3254,11 @@
               <a:buNone/>
             </a:pPr>
             <a:r>
-              <a:rPr lang="ru-RU" b="1" dirty="0" smtClean="0"/>
+              <a:rPr lang="ru-RU" b="1" dirty="0"/>
               <a:t>@</a:t>
             </a:r>
             <a:r>
-              <a:rPr lang="ru-RU" b="1" dirty="0" err="1" smtClean="0"/>
+              <a:rPr lang="ru-RU" b="1" dirty="0" err="1"/>
               <a:t>Autowired</a:t>
             </a:r>
             <a:r>
@@ -3264,7 +3266,7 @@
               <a:t> </a:t>
             </a:r>
             <a:r>
-              <a:rPr lang="ru-RU" dirty="0" smtClean="0"/>
+              <a:rPr lang="ru-RU" dirty="0"/>
               <a:t>используется для автоматического связывания зависимостей.</a:t>
             </a:r>
           </a:p>
@@ -3273,47 +3275,47 @@
               <a:buNone/>
             </a:pPr>
             <a:r>
-              <a:rPr lang="ru-RU" dirty="0" smtClean="0"/>
+              <a:rPr lang="ru-RU" dirty="0"/>
               <a:t>Можно использовать с : </a:t>
             </a:r>
           </a:p>
           <a:p>
             <a:r>
-              <a:rPr lang="ru-RU" dirty="0" smtClean="0"/>
+              <a:rPr lang="ru-RU" dirty="0"/>
               <a:t>сеттерами</a:t>
             </a:r>
           </a:p>
           <a:p>
             <a:r>
-              <a:rPr lang="ru-RU" dirty="0" smtClean="0"/>
+              <a:rPr lang="ru-RU" dirty="0"/>
               <a:t>конструкторами</a:t>
             </a:r>
           </a:p>
           <a:p>
             <a:r>
-              <a:rPr lang="ru-RU" dirty="0" smtClean="0"/>
+              <a:rPr lang="ru-RU" dirty="0"/>
               <a:t>методами с любым количеством аргументов</a:t>
             </a:r>
           </a:p>
           <a:p>
             <a:r>
-              <a:rPr lang="ru-RU" dirty="0" err="1" smtClean="0"/>
+              <a:rPr lang="ru-RU" dirty="0" err="1"/>
               <a:t>Properties</a:t>
             </a:r>
             <a:r>
-              <a:rPr lang="ru-RU" dirty="0" smtClean="0"/>
+              <a:rPr lang="ru-RU" dirty="0"/>
               <a:t> (свойства)</a:t>
             </a:r>
           </a:p>
           <a:p>
             <a:r>
-              <a:rPr lang="ru-RU" dirty="0" smtClean="0"/>
+              <a:rPr lang="ru-RU" dirty="0"/>
               <a:t>Массивами и типизированными коллекциями</a:t>
             </a:r>
           </a:p>
           <a:p>
             <a:r>
-              <a:rPr lang="ru-RU" dirty="0" smtClean="0"/>
+              <a:rPr lang="ru-RU" dirty="0"/>
               <a:t>В том числе и с приватными.</a:t>
             </a:r>
           </a:p>
@@ -3375,109 +3377,105 @@
           <a:lstStyle/>
           <a:p>
             <a:r>
-              <a:rPr lang="ru-RU" dirty="0" smtClean="0"/>
+              <a:rPr lang="ru-RU" dirty="0"/>
               <a:t>Если имеется несколько </a:t>
             </a:r>
             <a:r>
-              <a:rPr lang="ru-RU" dirty="0" err="1" smtClean="0"/>
+              <a:rPr lang="ru-RU" dirty="0" err="1"/>
               <a:t>бинов</a:t>
             </a:r>
             <a:r>
-              <a:rPr lang="ru-RU" dirty="0" smtClean="0"/>
+              <a:rPr lang="ru-RU" dirty="0"/>
               <a:t> одинакового типа, чтобы задать конкретный бин используется </a:t>
             </a:r>
             <a:r>
-              <a:rPr lang="ru-RU" b="1" dirty="0" smtClean="0"/>
+              <a:rPr lang="ru-RU" b="1" dirty="0"/>
               <a:t>@</a:t>
             </a:r>
             <a:r>
-              <a:rPr lang="ru-RU" b="1" dirty="0" err="1" smtClean="0"/>
+              <a:rPr lang="ru-RU" b="1" dirty="0" err="1"/>
               <a:t>Qualifier</a:t>
             </a:r>
             <a:r>
-              <a:rPr lang="ru-RU" b="1" dirty="0" smtClean="0"/>
+              <a:rPr lang="ru-RU" b="1" dirty="0"/>
               <a:t>("имя"), </a:t>
             </a:r>
             <a:r>
-              <a:rPr lang="ru-RU" dirty="0" smtClean="0"/>
+              <a:rPr lang="ru-RU" dirty="0"/>
               <a:t>тогда будет связан бин с соответствующим ID.</a:t>
             </a:r>
           </a:p>
           <a:p>
             <a:r>
-              <a:rPr lang="ru-RU" dirty="0" smtClean="0"/>
+              <a:rPr lang="ru-RU" dirty="0"/>
               <a:t>По умолчанию, если не найден подходящий бин, выбрасывается исключение. Это поведение можно изменить выставив </a:t>
             </a:r>
             <a:r>
-              <a:rPr lang="ru-RU" b="1" dirty="0" smtClean="0"/>
+              <a:rPr lang="ru-RU" b="1" dirty="0"/>
               <a:t>@</a:t>
             </a:r>
             <a:r>
-              <a:rPr lang="ru-RU" b="1" dirty="0" err="1" smtClean="0"/>
+              <a:rPr lang="ru-RU" b="1" dirty="0" err="1"/>
               <a:t>Autowired</a:t>
             </a:r>
             <a:r>
-              <a:rPr lang="ru-RU" b="1" dirty="0" smtClean="0"/>
+              <a:rPr lang="ru-RU" b="1" dirty="0"/>
               <a:t>(</a:t>
             </a:r>
             <a:r>
-              <a:rPr lang="ru-RU" b="1" dirty="0" err="1" smtClean="0"/>
+              <a:rPr lang="ru-RU" b="1" dirty="0" err="1"/>
               <a:t>required</a:t>
             </a:r>
             <a:r>
-              <a:rPr lang="ru-RU" b="1" dirty="0" smtClean="0"/>
+              <a:rPr lang="ru-RU" b="1" dirty="0"/>
               <a:t>=</a:t>
             </a:r>
             <a:r>
-              <a:rPr lang="ru-RU" b="1" dirty="0" err="1" smtClean="0"/>
+              <a:rPr lang="ru-RU" b="1" dirty="0" err="1"/>
               <a:t>false</a:t>
             </a:r>
             <a:r>
-              <a:rPr lang="ru-RU" b="1" dirty="0" smtClean="0"/>
+              <a:rPr lang="ru-RU" b="1" dirty="0"/>
               <a:t>).</a:t>
             </a:r>
-            <a:endParaRPr lang="ru-RU" dirty="0" smtClean="0"/>
-          </a:p>
-          <a:p>
-            <a:r>
-              <a:rPr lang="ru-RU" dirty="0" smtClean="0"/>
+            <a:endParaRPr lang="ru-RU" dirty="0"/>
+          </a:p>
+          <a:p>
+            <a:r>
+              <a:rPr lang="ru-RU" dirty="0"/>
               <a:t>Только один конструктор данного типа </a:t>
             </a:r>
             <a:r>
-              <a:rPr lang="ru-RU" dirty="0" err="1" smtClean="0"/>
+              <a:rPr lang="ru-RU" dirty="0" err="1"/>
               <a:t>бина</a:t>
             </a:r>
             <a:r>
-              <a:rPr lang="ru-RU" dirty="0" smtClean="0"/>
+              <a:rPr lang="ru-RU" dirty="0"/>
               <a:t> может содержать аннотацию </a:t>
             </a:r>
             <a:r>
-              <a:rPr lang="ru-RU" b="1" dirty="0" smtClean="0"/>
+              <a:rPr lang="ru-RU" b="1" dirty="0"/>
               <a:t>@</a:t>
             </a:r>
             <a:r>
-              <a:rPr lang="ru-RU" b="1" dirty="0" err="1" smtClean="0"/>
+              <a:rPr lang="ru-RU" b="1" dirty="0" err="1"/>
               <a:t>Autowired</a:t>
             </a:r>
             <a:r>
-              <a:rPr lang="ru-RU" b="1" dirty="0" smtClean="0"/>
+              <a:rPr lang="ru-RU" b="1" dirty="0"/>
               <a:t>, </a:t>
             </a:r>
             <a:r>
-              <a:rPr lang="ru-RU" dirty="0" smtClean="0"/>
+              <a:rPr lang="ru-RU" dirty="0"/>
               <a:t>указывая, конструктор для связывания при использовании </a:t>
             </a:r>
             <a:r>
-              <a:rPr lang="ru-RU" dirty="0" err="1" smtClean="0"/>
+              <a:rPr lang="ru-RU" dirty="0" err="1"/>
               <a:t>бина</a:t>
             </a:r>
             <a:r>
-              <a:rPr lang="ru-RU" dirty="0" smtClean="0"/>
-              <a:t>. </a:t>
-            </a:r>
-            <a:r>
-              <a:rPr lang="ru-RU" dirty="0"/>
-              <a:t>Начиная со </a:t>
+              <a:rPr lang="ru-RU" dirty="0"/>
+              <a:t>. Начиная со </a:t>
             </a:r>
             <a:r>
               <a:rPr lang="ru-RU" dirty="0" err="1"/>
@@ -3499,36 +3497,35 @@
               <a:rPr lang="ru-RU" dirty="0"/>
               <a:t> можно не ставить на конструктор, если он единственный в классе.</a:t>
             </a:r>
-            <a:endParaRPr lang="ru-RU" dirty="0" smtClean="0"/>
-          </a:p>
-          <a:p>
-            <a:r>
-              <a:rPr lang="ru-RU" dirty="0" smtClean="0"/>
+          </a:p>
+          <a:p>
+            <a:r>
+              <a:rPr lang="ru-RU" dirty="0"/>
               <a:t>Поля (помеченные @</a:t>
             </a:r>
             <a:r>
-              <a:rPr lang="ru-RU" dirty="0" err="1" smtClean="0"/>
+              <a:rPr lang="ru-RU" dirty="0" err="1"/>
               <a:t>Autowired</a:t>
             </a:r>
             <a:r>
-              <a:rPr lang="ru-RU" dirty="0" smtClean="0"/>
+              <a:rPr lang="ru-RU" dirty="0"/>
               <a:t> аннотацией)внедряются сразу после создания </a:t>
             </a:r>
             <a:r>
-              <a:rPr lang="ru-RU" dirty="0" err="1" smtClean="0"/>
+              <a:rPr lang="ru-RU" dirty="0" err="1"/>
               <a:t>бина</a:t>
             </a:r>
             <a:r>
-              <a:rPr lang="ru-RU" dirty="0" smtClean="0"/>
+              <a:rPr lang="ru-RU" dirty="0"/>
               <a:t>, до вызова каких-либо методов. </a:t>
             </a:r>
             <a:r>
-              <a:rPr lang="ru-RU" dirty="0" smtClean="0">
+              <a:rPr lang="ru-RU" dirty="0">
                 <a:effectLst/>
               </a:rPr>
               <a:t>Сеттеры вызываются последними.</a:t>
             </a:r>
-            <a:endParaRPr lang="ru-RU" dirty="0" smtClean="0"/>
+            <a:endParaRPr lang="ru-RU" dirty="0"/>
           </a:p>
           <a:p>
             <a:endParaRPr lang="en-US" dirty="0"/>
@@ -3581,7 +3578,7 @@
           <a:lstStyle/>
           <a:p>
             <a:r>
-              <a:rPr lang="ru-RU" dirty="0" smtClean="0"/>
+              <a:rPr lang="ru-RU" dirty="0"/>
               <a:t>Разбор примера</a:t>
             </a:r>
             <a:endParaRPr lang="en-US" dirty="0"/>
@@ -3606,87 +3603,87 @@
           <a:lstStyle/>
           <a:p>
             <a:r>
-              <a:rPr lang="ru-RU" dirty="0" smtClean="0"/>
+              <a:rPr lang="ru-RU" dirty="0"/>
               <a:t>Класс </a:t>
             </a:r>
             <a:r>
-              <a:rPr lang="en-US" dirty="0" smtClean="0"/>
+              <a:rPr lang="en-US" dirty="0"/>
               <a:t>Person </a:t>
             </a:r>
             <a:r>
-              <a:rPr lang="ru-RU" dirty="0" smtClean="0"/>
+              <a:rPr lang="ru-RU" dirty="0"/>
               <a:t>содержит поле </a:t>
             </a:r>
             <a:r>
-              <a:rPr lang="en-US" dirty="0" smtClean="0"/>
+              <a:rPr lang="en-US" dirty="0"/>
               <a:t>name</a:t>
             </a:r>
             <a:r>
-              <a:rPr lang="ru-RU" dirty="0" smtClean="0"/>
+              <a:rPr lang="ru-RU" dirty="0"/>
               <a:t>, его сеттер</a:t>
             </a:r>
             <a:r>
-              <a:rPr lang="en-US" dirty="0" smtClean="0"/>
+              <a:rPr lang="en-US" dirty="0"/>
               <a:t> </a:t>
             </a:r>
             <a:r>
-              <a:rPr lang="ru-RU" dirty="0" smtClean="0"/>
+              <a:rPr lang="ru-RU" dirty="0"/>
               <a:t>и поле </a:t>
             </a:r>
             <a:r>
-              <a:rPr lang="en-US" dirty="0" smtClean="0"/>
+              <a:rPr lang="en-US" dirty="0"/>
               <a:t>cat</a:t>
             </a:r>
             <a:r>
-              <a:rPr lang="ru-RU" dirty="0" smtClean="0"/>
+              <a:rPr lang="ru-RU" dirty="0"/>
               <a:t>.</a:t>
             </a:r>
           </a:p>
           <a:p>
             <a:r>
-              <a:rPr lang="ru-RU" dirty="0" smtClean="0"/>
+              <a:rPr lang="ru-RU" dirty="0"/>
               <a:t>Класс </a:t>
             </a:r>
             <a:r>
-              <a:rPr lang="en-US" dirty="0" smtClean="0"/>
+              <a:rPr lang="en-US" dirty="0"/>
               <a:t>Cat – </a:t>
             </a:r>
             <a:r>
-              <a:rPr lang="ru-RU" dirty="0" smtClean="0"/>
+              <a:rPr lang="ru-RU" dirty="0"/>
               <a:t>поле</a:t>
             </a:r>
             <a:r>
-              <a:rPr lang="en-US" dirty="0" smtClean="0"/>
+              <a:rPr lang="en-US" dirty="0"/>
               <a:t> name</a:t>
             </a:r>
             <a:r>
-              <a:rPr lang="ru-RU" dirty="0" smtClean="0"/>
+              <a:rPr lang="ru-RU" dirty="0"/>
               <a:t>.</a:t>
             </a:r>
           </a:p>
           <a:p>
             <a:r>
-              <a:rPr lang="ru-RU" dirty="0" smtClean="0"/>
+              <a:rPr lang="ru-RU" dirty="0"/>
               <a:t>В контейнере содержатся </a:t>
             </a:r>
             <a:r>
-              <a:rPr lang="ru-RU" dirty="0" err="1" smtClean="0"/>
+              <a:rPr lang="ru-RU" dirty="0" err="1"/>
               <a:t>бины</a:t>
             </a:r>
             <a:r>
-              <a:rPr lang="ru-RU" dirty="0" smtClean="0"/>
+              <a:rPr lang="ru-RU" dirty="0"/>
               <a:t> </a:t>
             </a:r>
             <a:r>
-              <a:rPr lang="en-US" dirty="0" smtClean="0"/>
+              <a:rPr lang="en-US" dirty="0"/>
               <a:t>person, cat </a:t>
             </a:r>
             <a:r>
-              <a:rPr lang="ru-RU" dirty="0" smtClean="0"/>
+              <a:rPr lang="ru-RU" dirty="0"/>
               <a:t>и </a:t>
             </a:r>
             <a:r>
-              <a:rPr lang="en-US" dirty="0" smtClean="0"/>
+              <a:rPr lang="en-US" dirty="0"/>
               <a:t>cat1.</a:t>
             </a:r>
           </a:p>
@@ -3695,31 +3692,31 @@
           </a:p>
           <a:p>
             <a:r>
-              <a:rPr lang="ru-RU" dirty="0" smtClean="0"/>
+              <a:rPr lang="ru-RU" dirty="0"/>
               <a:t>Запустите </a:t>
             </a:r>
             <a:r>
-              <a:rPr lang="en-US" dirty="0" smtClean="0"/>
+              <a:rPr lang="en-US" dirty="0"/>
               <a:t>main: </a:t>
             </a:r>
             <a:r>
-              <a:rPr lang="ru-RU" dirty="0" smtClean="0"/>
+              <a:rPr lang="ru-RU" dirty="0"/>
               <a:t>бин </a:t>
             </a:r>
             <a:r>
-              <a:rPr lang="en-US" dirty="0" smtClean="0"/>
+              <a:rPr lang="en-US" dirty="0"/>
               <a:t>cat </a:t>
             </a:r>
             <a:r>
-              <a:rPr lang="ru-RU" dirty="0" smtClean="0"/>
+              <a:rPr lang="ru-RU" dirty="0"/>
               <a:t>автоматически свяжется</a:t>
             </a:r>
             <a:r>
-              <a:rPr lang="en-US" dirty="0" smtClean="0"/>
+              <a:rPr lang="en-US" dirty="0"/>
               <a:t>.</a:t>
             </a:r>
             <a:r>
-              <a:rPr lang="ru-RU" dirty="0" smtClean="0"/>
+              <a:rPr lang="ru-RU" dirty="0"/>
               <a:t> </a:t>
             </a:r>
           </a:p>
@@ -3728,54 +3725,54 @@
               <a:buNone/>
             </a:pPr>
             <a:r>
-              <a:rPr lang="ru-RU" dirty="0" smtClean="0"/>
+              <a:rPr lang="ru-RU" dirty="0"/>
               <a:t>Вывод:</a:t>
             </a:r>
             <a:r>
-              <a:rPr lang="en-US" dirty="0" smtClean="0"/>
+              <a:rPr lang="en-US" dirty="0"/>
               <a:t>Person{name='Ivan', cat=Cat{name='</a:t>
             </a:r>
             <a:r>
-              <a:rPr lang="en-US" dirty="0" err="1" smtClean="0"/>
+              <a:rPr lang="en-US" dirty="0" err="1"/>
               <a:t>Barsik</a:t>
             </a:r>
             <a:r>
-              <a:rPr lang="en-US" dirty="0" smtClean="0"/>
+              <a:rPr lang="en-US" dirty="0"/>
               <a:t>'}}</a:t>
             </a:r>
-            <a:endParaRPr lang="ru-RU" dirty="0" smtClean="0"/>
-          </a:p>
-          <a:p>
-            <a:r>
-              <a:rPr lang="ru-RU" dirty="0" smtClean="0"/>
+            <a:endParaRPr lang="ru-RU" dirty="0"/>
+          </a:p>
+          <a:p>
+            <a:r>
+              <a:rPr lang="ru-RU" dirty="0"/>
               <a:t>Как измениться вывод, если </a:t>
             </a:r>
             <a:r>
-              <a:rPr lang="ru-RU" dirty="0" err="1" smtClean="0"/>
+              <a:rPr lang="ru-RU" dirty="0" err="1"/>
               <a:t>закоментить</a:t>
             </a:r>
             <a:r>
-              <a:rPr lang="ru-RU" dirty="0" smtClean="0"/>
+              <a:rPr lang="ru-RU" dirty="0"/>
               <a:t> бин </a:t>
             </a:r>
             <a:r>
-              <a:rPr lang="en-US" dirty="0" smtClean="0"/>
+              <a:rPr lang="en-US" dirty="0"/>
               <a:t>cat </a:t>
             </a:r>
             <a:r>
-              <a:rPr lang="ru-RU" dirty="0" smtClean="0"/>
+              <a:rPr lang="ru-RU" dirty="0"/>
               <a:t> и </a:t>
             </a:r>
             <a:r>
-              <a:rPr lang="ru-RU" dirty="0" err="1" smtClean="0"/>
+              <a:rPr lang="ru-RU" dirty="0" err="1"/>
               <a:t>раскомментить</a:t>
             </a:r>
             <a:r>
-              <a:rPr lang="ru-RU" dirty="0" smtClean="0"/>
+              <a:rPr lang="ru-RU" dirty="0"/>
               <a:t> </a:t>
             </a:r>
             <a:r>
-              <a:rPr lang="en-US" dirty="0" smtClean="0"/>
+              <a:rPr lang="en-US" dirty="0"/>
               <a:t>cat1?</a:t>
             </a:r>
           </a:p>
@@ -3784,15 +3781,15 @@
               <a:buNone/>
             </a:pPr>
             <a:r>
-              <a:rPr lang="en-US" dirty="0" smtClean="0"/>
+              <a:rPr lang="en-US" dirty="0"/>
               <a:t>(Person{name='Ivan', cat=Cat{name='</a:t>
             </a:r>
             <a:r>
-              <a:rPr lang="en-US" dirty="0" err="1" smtClean="0"/>
+              <a:rPr lang="en-US" dirty="0" err="1"/>
               <a:t>Vas'ka</a:t>
             </a:r>
             <a:r>
-              <a:rPr lang="en-US" dirty="0" smtClean="0"/>
+              <a:rPr lang="en-US" dirty="0"/>
               <a:t>'}})</a:t>
             </a:r>
           </a:p>
@@ -3849,61 +3846,61 @@
           <a:lstStyle/>
           <a:p>
             <a:r>
-              <a:rPr lang="ru-RU" dirty="0" err="1" smtClean="0"/>
+              <a:rPr lang="ru-RU" dirty="0" err="1"/>
               <a:t>Расскоментируйте</a:t>
             </a:r>
             <a:r>
-              <a:rPr lang="ru-RU" dirty="0" smtClean="0"/>
+              <a:rPr lang="ru-RU" dirty="0"/>
               <a:t> бин </a:t>
             </a:r>
             <a:r>
-              <a:rPr lang="en-US" dirty="0" smtClean="0"/>
+              <a:rPr lang="en-US" dirty="0"/>
               <a:t>cat </a:t>
             </a:r>
             <a:r>
-              <a:rPr lang="ru-RU" dirty="0" smtClean="0"/>
+              <a:rPr lang="ru-RU" dirty="0"/>
               <a:t>и </a:t>
             </a:r>
             <a:r>
-              <a:rPr lang="en-US" dirty="0" smtClean="0"/>
+              <a:rPr lang="en-US" dirty="0"/>
               <a:t>@Qualifier</a:t>
             </a:r>
             <a:r>
-              <a:rPr lang="ru-RU" dirty="0" smtClean="0"/>
+              <a:rPr lang="ru-RU" dirty="0"/>
               <a:t> у сеттера. Теперь снова связывается бин </a:t>
             </a:r>
             <a:r>
-              <a:rPr lang="en-US" dirty="0" smtClean="0"/>
+              <a:rPr lang="en-US" dirty="0"/>
               <a:t>cat, </a:t>
             </a:r>
             <a:r>
-              <a:rPr lang="ru-RU" dirty="0" smtClean="0"/>
+              <a:rPr lang="ru-RU" dirty="0"/>
               <a:t>т.к. он </a:t>
             </a:r>
             <a:r>
-              <a:rPr lang="ru-RU" dirty="0" err="1" smtClean="0"/>
+              <a:rPr lang="ru-RU" dirty="0" err="1"/>
               <a:t>укащан</a:t>
             </a:r>
             <a:r>
-              <a:rPr lang="ru-RU" dirty="0" smtClean="0"/>
+              <a:rPr lang="ru-RU" dirty="0"/>
               <a:t> в </a:t>
             </a:r>
             <a:r>
-              <a:rPr lang="en-US" dirty="0" smtClean="0"/>
+              <a:rPr lang="en-US" dirty="0"/>
               <a:t>@Qualifier</a:t>
             </a:r>
             <a:r>
-              <a:rPr lang="ru-RU" dirty="0" smtClean="0"/>
+              <a:rPr lang="ru-RU" dirty="0"/>
               <a:t>.</a:t>
             </a:r>
           </a:p>
           <a:p>
             <a:r>
-              <a:rPr lang="ru-RU" dirty="0" err="1" smtClean="0"/>
+              <a:rPr lang="ru-RU" dirty="0" err="1"/>
               <a:t>Расскоментируйте</a:t>
             </a:r>
             <a:r>
-              <a:rPr lang="ru-RU" dirty="0" smtClean="0"/>
+              <a:rPr lang="ru-RU" dirty="0"/>
               <a:t> </a:t>
             </a:r>
           </a:p>
@@ -3911,20 +3908,20 @@
             <a:endParaRPr lang="ru-RU" dirty="0"/>
           </a:p>
           <a:p>
-            <a:endParaRPr lang="ru-RU" dirty="0" smtClean="0"/>
-          </a:p>
-          <a:p>
             <a:endParaRPr lang="ru-RU" dirty="0"/>
           </a:p>
           <a:p>
-            <a:endParaRPr lang="ru-RU" dirty="0" smtClean="0"/>
+            <a:endParaRPr lang="ru-RU" dirty="0"/>
+          </a:p>
+          <a:p>
+            <a:endParaRPr lang="ru-RU" dirty="0"/>
           </a:p>
           <a:p>
             <a:pPr marL="0" indent="0">
               <a:buNone/>
             </a:pPr>
             <a:r>
-              <a:rPr lang="ru-RU" dirty="0" smtClean="0"/>
+              <a:rPr lang="ru-RU" dirty="0"/>
               <a:t>Проверьте вывод.</a:t>
             </a:r>
             <a:r>
@@ -3932,22 +3929,18 @@
               <a:t> </a:t>
             </a:r>
             <a:r>
-              <a:rPr lang="ru-RU" dirty="0" smtClean="0"/>
+              <a:rPr lang="ru-RU" dirty="0"/>
               <a:t>Каждый метод связался с указанным через </a:t>
             </a:r>
             <a:r>
-              <a:rPr lang="en-US" dirty="0" smtClean="0"/>
-              <a:t>@</a:t>
-            </a:r>
-            <a:r>
-              <a:rPr lang="en-US" dirty="0" smtClean="0"/>
-              <a:t> Qualifier</a:t>
-            </a:r>
-            <a:r>
-              <a:rPr lang="ru-RU" dirty="0" smtClean="0"/>
+              <a:rPr lang="en-US" dirty="0"/>
+              <a:t>@ Qualifier</a:t>
+            </a:r>
+            <a:r>
+              <a:rPr lang="ru-RU" dirty="0"/>
               <a:t> бином.</a:t>
             </a:r>
-            <a:endParaRPr lang="en-US" dirty="0" smtClean="0"/>
+            <a:endParaRPr lang="en-US" dirty="0"/>
           </a:p>
         </p:txBody>
       </p:sp>
@@ -4022,7 +4015,7 @@
               <a:tabLst/>
             </a:pPr>
             <a:r>
-              <a:rPr kumimoji="0" lang="en-US" altLang="en-US" sz="2000" b="0" i="0" u="none" strike="noStrike" cap="none" normalizeH="0" baseline="0" dirty="0" smtClean="0">
+              <a:rPr kumimoji="0" lang="en-US" altLang="en-US" sz="2000" b="0" i="0" u="none" strike="noStrike" cap="none" normalizeH="0" baseline="0" dirty="0">
                 <a:ln>
                   <a:noFill/>
                 </a:ln>
@@ -4035,7 +4028,7 @@
               <a:t>//    @</a:t>
             </a:r>
             <a:r>
-              <a:rPr kumimoji="0" lang="en-US" altLang="en-US" sz="2000" b="0" i="0" u="none" strike="noStrike" cap="none" normalizeH="0" baseline="0" dirty="0" err="1" smtClean="0">
+              <a:rPr kumimoji="0" lang="en-US" altLang="en-US" sz="2000" b="0" i="0" u="none" strike="noStrike" cap="none" normalizeH="0" baseline="0" dirty="0" err="1">
                 <a:ln>
                   <a:noFill/>
                 </a:ln>
@@ -4047,21 +4040,8 @@
               </a:rPr>
               <a:t>Autowired</a:t>
             </a:r>
-            <a:r>
-              <a:rPr kumimoji="0" lang="en-US" altLang="en-US" sz="2000" b="0" i="0" u="none" strike="noStrike" cap="none" normalizeH="0" baseline="0" dirty="0" smtClean="0">
-                <a:ln>
-                  <a:noFill/>
-                </a:ln>
-                <a:solidFill>
-                  <a:srgbClr val="808080"/>
-                </a:solidFill>
-                <a:effectLst/>
-                <a:latin typeface="JetBrains Mono"/>
-              </a:rPr>
-              <a:t/>
-            </a:r>
             <a:br>
-              <a:rPr kumimoji="0" lang="en-US" altLang="en-US" sz="2000" b="0" i="0" u="none" strike="noStrike" cap="none" normalizeH="0" baseline="0" dirty="0" smtClean="0">
+              <a:rPr kumimoji="0" lang="en-US" altLang="en-US" sz="2000" b="0" i="0" u="none" strike="noStrike" cap="none" normalizeH="0" baseline="0" dirty="0">
                 <a:ln>
                   <a:noFill/>
                 </a:ln>
@@ -4073,7 +4053,7 @@
               </a:rPr>
             </a:br>
             <a:r>
-              <a:rPr kumimoji="0" lang="en-US" altLang="en-US" sz="2000" b="0" i="0" u="none" strike="noStrike" cap="none" normalizeH="0" baseline="0" dirty="0" smtClean="0">
+              <a:rPr kumimoji="0" lang="en-US" altLang="en-US" sz="2000" b="0" i="0" u="none" strike="noStrike" cap="none" normalizeH="0" baseline="0" dirty="0">
                 <a:ln>
                   <a:noFill/>
                 </a:ln>
@@ -4086,7 +4066,7 @@
               <a:t>//    @Qualifier("cat1")</a:t>
             </a:r>
             <a:br>
-              <a:rPr kumimoji="0" lang="en-US" altLang="en-US" sz="2000" b="0" i="0" u="none" strike="noStrike" cap="none" normalizeH="0" baseline="0" dirty="0" smtClean="0">
+              <a:rPr kumimoji="0" lang="en-US" altLang="en-US" sz="2000" b="0" i="0" u="none" strike="noStrike" cap="none" normalizeH="0" baseline="0" dirty="0">
                 <a:ln>
                   <a:noFill/>
                 </a:ln>
@@ -4098,7 +4078,7 @@
               </a:rPr>
             </a:br>
             <a:r>
-              <a:rPr kumimoji="0" lang="en-US" altLang="en-US" sz="2000" b="0" i="0" u="none" strike="noStrike" cap="none" normalizeH="0" baseline="0" dirty="0" smtClean="0">
+              <a:rPr kumimoji="0" lang="en-US" altLang="en-US" sz="2000" b="0" i="0" u="none" strike="noStrike" cap="none" normalizeH="0" baseline="0" dirty="0">
                 <a:ln>
                   <a:noFill/>
                 </a:ln>
@@ -4111,7 +4091,7 @@
               <a:t>//    public void prepare(Cat cat){</a:t>
             </a:r>
             <a:br>
-              <a:rPr kumimoji="0" lang="en-US" altLang="en-US" sz="2000" b="0" i="0" u="none" strike="noStrike" cap="none" normalizeH="0" baseline="0" dirty="0" smtClean="0">
+              <a:rPr kumimoji="0" lang="en-US" altLang="en-US" sz="2000" b="0" i="0" u="none" strike="noStrike" cap="none" normalizeH="0" baseline="0" dirty="0">
                 <a:ln>
                   <a:noFill/>
                 </a:ln>
@@ -4123,7 +4103,7 @@
               </a:rPr>
             </a:br>
             <a:r>
-              <a:rPr kumimoji="0" lang="en-US" altLang="en-US" sz="2000" b="0" i="0" u="none" strike="noStrike" cap="none" normalizeH="0" baseline="0" dirty="0" smtClean="0">
+              <a:rPr kumimoji="0" lang="en-US" altLang="en-US" sz="2000" b="0" i="0" u="none" strike="noStrike" cap="none" normalizeH="0" baseline="0" dirty="0">
                 <a:ln>
                   <a:noFill/>
                 </a:ln>
@@ -4136,7 +4116,7 @@
               <a:t>//        </a:t>
             </a:r>
             <a:r>
-              <a:rPr kumimoji="0" lang="en-US" altLang="en-US" sz="2000" b="0" i="0" u="none" strike="noStrike" cap="none" normalizeH="0" baseline="0" dirty="0" err="1" smtClean="0">
+              <a:rPr kumimoji="0" lang="en-US" altLang="en-US" sz="2000" b="0" i="0" u="none" strike="noStrike" cap="none" normalizeH="0" baseline="0" dirty="0" err="1">
                 <a:ln>
                   <a:noFill/>
                 </a:ln>
@@ -4149,7 +4129,7 @@
               <a:t>System.out.println</a:t>
             </a:r>
             <a:r>
-              <a:rPr kumimoji="0" lang="en-US" altLang="en-US" sz="2000" b="0" i="0" u="none" strike="noStrike" cap="none" normalizeH="0" baseline="0" dirty="0" smtClean="0">
+              <a:rPr kumimoji="0" lang="en-US" altLang="en-US" sz="2000" b="0" i="0" u="none" strike="noStrike" cap="none" normalizeH="0" baseline="0" dirty="0">
                 <a:ln>
                   <a:noFill/>
                 </a:ln>
@@ -4162,7 +4142,7 @@
               <a:t>(cat);</a:t>
             </a:r>
             <a:br>
-              <a:rPr kumimoji="0" lang="en-US" altLang="en-US" sz="2000" b="0" i="0" u="none" strike="noStrike" cap="none" normalizeH="0" baseline="0" dirty="0" smtClean="0">
+              <a:rPr kumimoji="0" lang="en-US" altLang="en-US" sz="2000" b="0" i="0" u="none" strike="noStrike" cap="none" normalizeH="0" baseline="0" dirty="0">
                 <a:ln>
                   <a:noFill/>
                 </a:ln>
@@ -4174,7 +4154,7 @@
               </a:rPr>
             </a:br>
             <a:r>
-              <a:rPr kumimoji="0" lang="en-US" altLang="en-US" sz="2000" b="0" i="0" u="none" strike="noStrike" cap="none" normalizeH="0" baseline="0" dirty="0" smtClean="0">
+              <a:rPr kumimoji="0" lang="en-US" altLang="en-US" sz="2000" b="0" i="0" u="none" strike="noStrike" cap="none" normalizeH="0" baseline="0" dirty="0">
                 <a:ln>
                   <a:noFill/>
                 </a:ln>
@@ -4186,7 +4166,7 @@
               </a:rPr>
               <a:t>//    }</a:t>
             </a:r>
-            <a:endParaRPr kumimoji="0" lang="en-US" altLang="en-US" sz="2000" b="0" i="0" u="none" strike="noStrike" cap="none" normalizeH="0" baseline="0" dirty="0" smtClean="0">
+            <a:endParaRPr kumimoji="0" lang="en-US" altLang="en-US" sz="2000" b="0" i="0" u="none" strike="noStrike" cap="none" normalizeH="0" baseline="0" dirty="0">
               <a:ln>
                 <a:noFill/>
               </a:ln>
